--- a/Huou_Final Presentation - Advanced Web Project.pptx
+++ b/Huou_Final Presentation - Advanced Web Project.pptx
@@ -264,7 +264,7 @@
       </p15:sldGuideLst>
     </p:ext>
     <p:ext uri="http://customooxmlschemas.google.com/">
-      <go:slidesCustomData xmlns="" xmlns:mc="http://schemas.openxmlformats.org/markup-compatibility/2006" xmlns:mv="urn:schemas-microsoft-com:mac:vml" xmlns:c="http://schemas.openxmlformats.org/drawingml/2006/chart" xmlns:dgm="http://schemas.openxmlformats.org/drawingml/2006/diagram" xmlns:o="urn:schemas-microsoft-com:office:office" xmlns:v="urn:schemas-microsoft-com:vml" xmlns:pvml="urn:schemas-microsoft-com:office:powerpoint" xmlns:com="http://schemas.openxmlformats.org/drawingml/2006/compatibility" xmlns:p14="http://schemas.microsoft.com/office/powerpoint/2010/main" xmlns:p15="http://schemas.microsoft.com/office/powerpoint/2012/main" xmlns:ahyp="http://schemas.microsoft.com/office/drawing/2018/hyperlinkcolor" xmlns:go="http://customooxmlschemas.google.com/" r:id="rId18" roundtripDataSignature="AMtx7miuK4qH7rQzOBsntOn+X41PSr4BmQ=="/>
+      <go:slidesCustomData xmlns:go="http://customooxmlschemas.google.com/" xmlns:ahyp="http://schemas.microsoft.com/office/drawing/2018/hyperlinkcolor" xmlns:p15="http://schemas.microsoft.com/office/powerpoint/2012/main" xmlns:p14="http://schemas.microsoft.com/office/powerpoint/2010/main" xmlns:com="http://schemas.openxmlformats.org/drawingml/2006/compatibility" xmlns:pvml="urn:schemas-microsoft-com:office:powerpoint" xmlns:v="urn:schemas-microsoft-com:vml" xmlns:o="urn:schemas-microsoft-com:office:office" xmlns:dgm="http://schemas.openxmlformats.org/drawingml/2006/diagram" xmlns:c="http://schemas.openxmlformats.org/drawingml/2006/chart" xmlns:mv="urn:schemas-microsoft-com:mac:vml" xmlns:mc="http://schemas.openxmlformats.org/markup-compatibility/2006" xmlns="" r:id="rId18" roundtripDataSignature="AMtx7miuK4qH7rQzOBsntOn+X41PSr4BmQ=="/>
     </p:ext>
   </p:extLst>
 </p:presentation>
@@ -31782,32 +31782,8 @@
         </p:blipFill>
         <p:spPr>
           <a:xfrm>
-            <a:off x="603081" y="751211"/>
+            <a:off x="3121382" y="784262"/>
             <a:ext cx="2566929" cy="2007470"/>
-          </a:xfrm>
-          <a:prstGeom prst="rect">
-            <a:avLst/>
-          </a:prstGeom>
-        </p:spPr>
-      </p:pic>
-      <p:pic>
-        <p:nvPicPr>
-          <p:cNvPr id="7" name="Picture 6"/>
-          <p:cNvPicPr>
-            <a:picLocks noChangeAspect="1"/>
-          </p:cNvPicPr>
-          <p:nvPr/>
-        </p:nvPicPr>
-        <p:blipFill>
-          <a:blip r:embed="rId4"/>
-          <a:stretch>
-            <a:fillRect/>
-          </a:stretch>
-        </p:blipFill>
-        <p:spPr>
-          <a:xfrm>
-            <a:off x="5403864" y="537527"/>
-            <a:ext cx="2574276" cy="2574276"/>
           </a:xfrm>
           <a:prstGeom prst="rect">
             <a:avLst/>
@@ -31823,7 +31799,7 @@
           <p:nvPr/>
         </p:nvPicPr>
         <p:blipFill>
-          <a:blip r:embed="rId5"/>
+          <a:blip r:embed="rId4"/>
           <a:stretch>
             <a:fillRect/>
           </a:stretch>
